--- a/APSB-Poster-36x48.pptx
+++ b/APSB-Poster-36x48.pptx
@@ -15027,45 +15027,6 @@
           </p:txBody>
         </p:sp>
       </p:grpSp>
-      <p:pic>
-        <p:nvPicPr>
-          <p:cNvPr id="288" name="Picture 16">
-            <a:extLst>
-              <a:ext uri="{FF2B5EF4-FFF2-40B4-BE49-F238E27FC236}">
-                <a16:creationId xmlns:a16="http://schemas.microsoft.com/office/drawing/2014/main" id="{0EDABBBA-51C3-4111-837E-09E49A666539}"/>
-              </a:ext>
-            </a:extLst>
-          </p:cNvPr>
-          <p:cNvPicPr/>
-          <p:nvPr/>
-        </p:nvPicPr>
-        <p:blipFill>
-          <a:blip r:embed="rId7" cstate="print">
-            <a:extLst>
-              <a:ext uri="{28A0092B-C50C-407E-A947-70E740481C1C}">
-                <a14:useLocalDpi xmlns:a14="http://schemas.microsoft.com/office/drawing/2010/main" val="0"/>
-              </a:ext>
-            </a:extLst>
-          </a:blip>
-          <a:srcRect/>
-          <a:stretch>
-            <a:fillRect/>
-          </a:stretch>
-        </p:blipFill>
-        <p:spPr bwMode="auto">
-          <a:xfrm>
-            <a:off x="16487204" y="28597644"/>
-            <a:ext cx="4445209" cy="3240000"/>
-          </a:xfrm>
-          <a:prstGeom prst="rect">
-            <a:avLst/>
-          </a:prstGeom>
-          <a:noFill/>
-          <a:ln>
-            <a:noFill/>
-          </a:ln>
-        </p:spPr>
-      </p:pic>
       <p:sp>
         <p:nvSpPr>
           <p:cNvPr id="289" name="文本框 13">
@@ -15461,45 +15422,6 @@
           </a:p>
         </p:txBody>
       </p:sp>
-      <p:pic>
-        <p:nvPicPr>
-          <p:cNvPr id="291" name="Picture 12">
-            <a:extLst>
-              <a:ext uri="{FF2B5EF4-FFF2-40B4-BE49-F238E27FC236}">
-                <a16:creationId xmlns:a16="http://schemas.microsoft.com/office/drawing/2014/main" id="{9337D6B1-9A78-4DAF-AF43-881BB77E5FD0}"/>
-              </a:ext>
-            </a:extLst>
-          </p:cNvPr>
-          <p:cNvPicPr/>
-          <p:nvPr/>
-        </p:nvPicPr>
-        <p:blipFill>
-          <a:blip r:embed="rId8" cstate="print">
-            <a:extLst>
-              <a:ext uri="{28A0092B-C50C-407E-A947-70E740481C1C}">
-                <a14:useLocalDpi xmlns:a14="http://schemas.microsoft.com/office/drawing/2010/main" val="0"/>
-              </a:ext>
-            </a:extLst>
-          </a:blip>
-          <a:srcRect/>
-          <a:stretch>
-            <a:fillRect/>
-          </a:stretch>
-        </p:blipFill>
-        <p:spPr bwMode="auto">
-          <a:xfrm>
-            <a:off x="12042446" y="28597644"/>
-            <a:ext cx="4246711" cy="3240000"/>
-          </a:xfrm>
-          <a:prstGeom prst="rect">
-            <a:avLst/>
-          </a:prstGeom>
-          <a:noFill/>
-          <a:ln>
-            <a:noFill/>
-          </a:ln>
-        </p:spPr>
-      </p:pic>
       <p:sp>
         <p:nvSpPr>
           <p:cNvPr id="292" name="TextBox 291">
@@ -15979,84 +15901,6 @@
           </a:p>
         </p:txBody>
       </p:sp>
-      <p:pic>
-        <p:nvPicPr>
-          <p:cNvPr id="295" name="Picture 14">
-            <a:extLst>
-              <a:ext uri="{FF2B5EF4-FFF2-40B4-BE49-F238E27FC236}">
-                <a16:creationId xmlns:a16="http://schemas.microsoft.com/office/drawing/2014/main" id="{4B77AA54-7328-40C0-A039-171066A88A39}"/>
-              </a:ext>
-            </a:extLst>
-          </p:cNvPr>
-          <p:cNvPicPr/>
-          <p:nvPr/>
-        </p:nvPicPr>
-        <p:blipFill>
-          <a:blip r:embed="rId9" cstate="print">
-            <a:extLst>
-              <a:ext uri="{28A0092B-C50C-407E-A947-70E740481C1C}">
-                <a14:useLocalDpi xmlns:a14="http://schemas.microsoft.com/office/drawing/2010/main" val="0"/>
-              </a:ext>
-            </a:extLst>
-          </a:blip>
-          <a:srcRect/>
-          <a:stretch>
-            <a:fillRect/>
-          </a:stretch>
-        </p:blipFill>
-        <p:spPr bwMode="auto">
-          <a:xfrm>
-            <a:off x="33356733" y="9729704"/>
-            <a:ext cx="4377600" cy="2880000"/>
-          </a:xfrm>
-          <a:prstGeom prst="rect">
-            <a:avLst/>
-          </a:prstGeom>
-          <a:noFill/>
-          <a:ln>
-            <a:noFill/>
-          </a:ln>
-        </p:spPr>
-      </p:pic>
-      <p:pic>
-        <p:nvPicPr>
-          <p:cNvPr id="296" name="Picture 18">
-            <a:extLst>
-              <a:ext uri="{FF2B5EF4-FFF2-40B4-BE49-F238E27FC236}">
-                <a16:creationId xmlns:a16="http://schemas.microsoft.com/office/drawing/2014/main" id="{F37356CE-25AD-48E1-BE5C-D9202D41CAC7}"/>
-              </a:ext>
-            </a:extLst>
-          </p:cNvPr>
-          <p:cNvPicPr/>
-          <p:nvPr/>
-        </p:nvPicPr>
-        <p:blipFill>
-          <a:blip r:embed="rId10" cstate="print">
-            <a:extLst>
-              <a:ext uri="{28A0092B-C50C-407E-A947-70E740481C1C}">
-                <a14:useLocalDpi xmlns:a14="http://schemas.microsoft.com/office/drawing/2010/main" val="0"/>
-              </a:ext>
-            </a:extLst>
-          </a:blip>
-          <a:srcRect/>
-          <a:stretch>
-            <a:fillRect/>
-          </a:stretch>
-        </p:blipFill>
-        <p:spPr bwMode="auto">
-          <a:xfrm>
-            <a:off x="37629862" y="9757336"/>
-            <a:ext cx="4161340" cy="2880000"/>
-          </a:xfrm>
-          <a:prstGeom prst="rect">
-            <a:avLst/>
-          </a:prstGeom>
-          <a:noFill/>
-          <a:ln>
-            <a:noFill/>
-          </a:ln>
-        </p:spPr>
-      </p:pic>
       <p:grpSp>
         <p:nvGrpSpPr>
           <p:cNvPr id="297" name="组合 36">
@@ -16629,7 +16473,7 @@
               <p:nvPr/>
             </p:nvPicPr>
             <p:blipFill>
-              <a:blip r:embed="rId11">
+              <a:blip r:embed="rId7">
                 <a:extLst>
                   <a:ext uri="{28A0092B-C50C-407E-A947-70E740481C1C}">
                     <a14:useLocalDpi xmlns:a14="http://schemas.microsoft.com/office/drawing/2010/main" val="0"/>
@@ -16689,7 +16533,7 @@
               <p:nvPr/>
             </p:nvPicPr>
             <p:blipFill>
-              <a:blip r:embed="rId12">
+              <a:blip r:embed="rId8">
                 <a:extLst>
                   <a:ext uri="{28A0092B-C50C-407E-A947-70E740481C1C}">
                     <a14:useLocalDpi xmlns:a14="http://schemas.microsoft.com/office/drawing/2010/main" val="0"/>
@@ -16749,7 +16593,7 @@
               <p:nvPr/>
             </p:nvPicPr>
             <p:blipFill>
-              <a:blip r:embed="rId13">
+              <a:blip r:embed="rId9">
                 <a:extLst>
                   <a:ext uri="{28A0092B-C50C-407E-A947-70E740481C1C}">
                     <a14:useLocalDpi xmlns:a14="http://schemas.microsoft.com/office/drawing/2010/main" val="0"/>
@@ -16809,7 +16653,7 @@
               <p:nvPr/>
             </p:nvPicPr>
             <p:blipFill>
-              <a:blip r:embed="rId14">
+              <a:blip r:embed="rId10">
                 <a:extLst>
                   <a:ext uri="{28A0092B-C50C-407E-A947-70E740481C1C}">
                     <a14:useLocalDpi xmlns:a14="http://schemas.microsoft.com/office/drawing/2010/main" val="0"/>
@@ -17029,7 +16873,7 @@
               <p:nvPr/>
             </p:nvPicPr>
             <p:blipFill>
-              <a:blip r:embed="rId13">
+              <a:blip r:embed="rId9">
                 <a:extLst>
                   <a:ext uri="{28A0092B-C50C-407E-A947-70E740481C1C}">
                     <a14:useLocalDpi xmlns:a14="http://schemas.microsoft.com/office/drawing/2010/main" val="0"/>
@@ -18197,7 +18041,7 @@
                         </a:spcAft>
                       </a:pPr>
                       <a:r>
-                        <a:rPr lang="en-US" sz="1300">
+                        <a:rPr lang="en-US" sz="1300" dirty="0">
                           <a:solidFill>
                             <a:schemeClr val="tx1"/>
                           </a:solidFill>
@@ -18205,7 +18049,7 @@
                         </a:rPr>
                         <a:t>68</a:t>
                       </a:r>
-                      <a:endParaRPr lang="en-US" sz="1300">
+                      <a:endParaRPr lang="en-US" sz="1300" dirty="0">
                         <a:solidFill>
                           <a:schemeClr val="tx1"/>
                         </a:solidFill>
@@ -18311,7 +18155,7 @@
           <p:nvPr/>
         </p:nvPicPr>
         <p:blipFill>
-          <a:blip r:embed="rId15"/>
+          <a:blip r:embed="rId11"/>
           <a:stretch>
             <a:fillRect/>
           </a:stretch>
@@ -18326,6 +18170,1006 @@
           </a:prstGeom>
         </p:spPr>
       </p:pic>
+      <p:graphicFrame>
+        <p:nvGraphicFramePr>
+          <p:cNvPr id="94" name="Table 93">
+            <a:extLst>
+              <a:ext uri="{FF2B5EF4-FFF2-40B4-BE49-F238E27FC236}">
+                <a16:creationId xmlns:a16="http://schemas.microsoft.com/office/drawing/2014/main" id="{0BBC1D80-A437-4BE7-8F7A-8D25BD4B1AA3}"/>
+              </a:ext>
+            </a:extLst>
+          </p:cNvPr>
+          <p:cNvGraphicFramePr>
+            <a:graphicFrameLocks noGrp="1"/>
+          </p:cNvGraphicFramePr>
+          <p:nvPr>
+            <p:extLst>
+              <p:ext uri="{D42A27DB-BD31-4B8C-83A1-F6EECF244321}">
+                <p14:modId xmlns:p14="http://schemas.microsoft.com/office/powerpoint/2010/main" val="3958390937"/>
+              </p:ext>
+            </p:extLst>
+          </p:nvPr>
+        </p:nvGraphicFramePr>
+        <p:xfrm>
+          <a:off x="22893867" y="29879051"/>
+          <a:ext cx="8678012" cy="1476765"/>
+        </p:xfrm>
+        <a:graphic>
+          <a:graphicData uri="http://schemas.openxmlformats.org/drawingml/2006/table">
+            <a:tbl>
+              <a:tblPr firstRow="1" firstCol="1" bandRow="1">
+                <a:tableStyleId>{5C22544A-7EE6-4342-B048-85BDC9FD1C3A}</a:tableStyleId>
+              </a:tblPr>
+              <a:tblGrid>
+                <a:gridCol w="2169503">
+                  <a:extLst>
+                    <a:ext uri="{9D8B030D-6E8A-4147-A177-3AD203B41FA5}">
+                      <a16:colId xmlns:a16="http://schemas.microsoft.com/office/drawing/2014/main" val="2697642880"/>
+                    </a:ext>
+                  </a:extLst>
+                </a:gridCol>
+                <a:gridCol w="2169503">
+                  <a:extLst>
+                    <a:ext uri="{9D8B030D-6E8A-4147-A177-3AD203B41FA5}">
+                      <a16:colId xmlns:a16="http://schemas.microsoft.com/office/drawing/2014/main" val="965346295"/>
+                    </a:ext>
+                  </a:extLst>
+                </a:gridCol>
+                <a:gridCol w="2169503">
+                  <a:extLst>
+                    <a:ext uri="{9D8B030D-6E8A-4147-A177-3AD203B41FA5}">
+                      <a16:colId xmlns:a16="http://schemas.microsoft.com/office/drawing/2014/main" val="1626699301"/>
+                    </a:ext>
+                  </a:extLst>
+                </a:gridCol>
+                <a:gridCol w="2169503">
+                  <a:extLst>
+                    <a:ext uri="{9D8B030D-6E8A-4147-A177-3AD203B41FA5}">
+                      <a16:colId xmlns:a16="http://schemas.microsoft.com/office/drawing/2014/main" val="283437395"/>
+                    </a:ext>
+                  </a:extLst>
+                </a:gridCol>
+              </a:tblGrid>
+              <a:tr h="492255">
+                <a:tc>
+                  <a:txBody>
+                    <a:bodyPr/>
+                    <a:lstStyle/>
+                    <a:p>
+                      <a:pPr>
+                        <a:lnSpc>
+                          <a:spcPct val="107000"/>
+                        </a:lnSpc>
+                        <a:spcAft>
+                          <a:spcPts val="800"/>
+                        </a:spcAft>
+                      </a:pPr>
+                      <a:r>
+                        <a:rPr lang="en-US" sz="1900">
+                          <a:solidFill>
+                            <a:schemeClr val="tx1"/>
+                          </a:solidFill>
+                          <a:effectLst/>
+                        </a:rPr>
+                        <a:t>Test Accuracy</a:t>
+                      </a:r>
+                      <a:endParaRPr lang="en-US" sz="1900">
+                        <a:solidFill>
+                          <a:schemeClr val="tx1"/>
+                        </a:solidFill>
+                        <a:effectLst/>
+                        <a:latin typeface="Calibri" panose="020F0502020204030204" pitchFamily="34" charset="0"/>
+                        <a:ea typeface="DengXian" panose="02010600030101010101" pitchFamily="2" charset="-122"/>
+                        <a:cs typeface="Times New Roman" panose="02020603050405020304" pitchFamily="18" charset="0"/>
+                      </a:endParaRPr>
+                    </a:p>
+                  </a:txBody>
+                  <a:tcPr marL="102782" marR="102782" marT="0" marB="0"/>
+                </a:tc>
+                <a:tc>
+                  <a:txBody>
+                    <a:bodyPr/>
+                    <a:lstStyle/>
+                    <a:p>
+                      <a:pPr>
+                        <a:lnSpc>
+                          <a:spcPct val="107000"/>
+                        </a:lnSpc>
+                        <a:spcAft>
+                          <a:spcPts val="800"/>
+                        </a:spcAft>
+                      </a:pPr>
+                      <a:r>
+                        <a:rPr lang="en-US" sz="1900" dirty="0">
+                          <a:solidFill>
+                            <a:schemeClr val="tx1"/>
+                          </a:solidFill>
+                          <a:effectLst/>
+                        </a:rPr>
+                        <a:t>APSB</a:t>
+                      </a:r>
+                      <a:endParaRPr lang="en-US" sz="1900" dirty="0">
+                        <a:solidFill>
+                          <a:schemeClr val="tx1"/>
+                        </a:solidFill>
+                        <a:effectLst/>
+                        <a:latin typeface="Calibri" panose="020F0502020204030204" pitchFamily="34" charset="0"/>
+                        <a:ea typeface="DengXian" panose="02010600030101010101" pitchFamily="2" charset="-122"/>
+                        <a:cs typeface="Times New Roman" panose="02020603050405020304" pitchFamily="18" charset="0"/>
+                      </a:endParaRPr>
+                    </a:p>
+                  </a:txBody>
+                  <a:tcPr marL="102782" marR="102782" marT="0" marB="0"/>
+                </a:tc>
+                <a:tc>
+                  <a:txBody>
+                    <a:bodyPr/>
+                    <a:lstStyle/>
+                    <a:p>
+                      <a:pPr>
+                        <a:lnSpc>
+                          <a:spcPct val="107000"/>
+                        </a:lnSpc>
+                        <a:spcAft>
+                          <a:spcPts val="800"/>
+                        </a:spcAft>
+                      </a:pPr>
+                      <a:r>
+                        <a:rPr lang="en-US" sz="1900" dirty="0">
+                          <a:solidFill>
+                            <a:schemeClr val="tx1"/>
+                          </a:solidFill>
+                          <a:effectLst/>
+                          <a:latin typeface="Calibri" panose="020F0502020204030204" pitchFamily="34" charset="0"/>
+                          <a:ea typeface="DengXian" panose="02010600030101010101" pitchFamily="2" charset="-122"/>
+                          <a:cs typeface="Times New Roman" panose="02020603050405020304" pitchFamily="18" charset="0"/>
+                        </a:rPr>
+                        <a:t>LSGD</a:t>
+                      </a:r>
+                    </a:p>
+                  </a:txBody>
+                  <a:tcPr marL="102782" marR="102782" marT="0" marB="0"/>
+                </a:tc>
+                <a:tc>
+                  <a:txBody>
+                    <a:bodyPr/>
+                    <a:lstStyle/>
+                    <a:p>
+                      <a:pPr>
+                        <a:lnSpc>
+                          <a:spcPct val="107000"/>
+                        </a:lnSpc>
+                        <a:spcAft>
+                          <a:spcPts val="800"/>
+                        </a:spcAft>
+                      </a:pPr>
+                      <a:r>
+                        <a:rPr lang="en-US" sz="1900" dirty="0">
+                          <a:solidFill>
+                            <a:schemeClr val="tx1"/>
+                          </a:solidFill>
+                          <a:effectLst/>
+                          <a:latin typeface="Calibri" panose="020F0502020204030204" pitchFamily="34" charset="0"/>
+                          <a:ea typeface="DengXian" panose="02010600030101010101" pitchFamily="2" charset="-122"/>
+                          <a:cs typeface="Times New Roman" panose="02020603050405020304" pitchFamily="18" charset="0"/>
+                        </a:rPr>
+                        <a:t>A-LSGD</a:t>
+                      </a:r>
+                    </a:p>
+                  </a:txBody>
+                  <a:tcPr marL="102782" marR="102782" marT="0" marB="0"/>
+                </a:tc>
+                <a:extLst>
+                  <a:ext uri="{0D108BD9-81ED-4DB2-BD59-A6C34878D82A}">
+                    <a16:rowId xmlns:a16="http://schemas.microsoft.com/office/drawing/2014/main" val="4017341140"/>
+                  </a:ext>
+                </a:extLst>
+              </a:tr>
+              <a:tr h="492255">
+                <a:tc>
+                  <a:txBody>
+                    <a:bodyPr/>
+                    <a:lstStyle/>
+                    <a:p>
+                      <a:pPr>
+                        <a:lnSpc>
+                          <a:spcPct val="107000"/>
+                        </a:lnSpc>
+                        <a:spcAft>
+                          <a:spcPts val="800"/>
+                        </a:spcAft>
+                      </a:pPr>
+                      <a:r>
+                        <a:rPr lang="en-US" sz="1900">
+                          <a:solidFill>
+                            <a:schemeClr val="tx1"/>
+                          </a:solidFill>
+                          <a:effectLst/>
+                        </a:rPr>
+                        <a:t>MnistCNN</a:t>
+                      </a:r>
+                      <a:endParaRPr lang="en-US" sz="1900">
+                        <a:solidFill>
+                          <a:schemeClr val="tx1"/>
+                        </a:solidFill>
+                        <a:effectLst/>
+                        <a:latin typeface="Calibri" panose="020F0502020204030204" pitchFamily="34" charset="0"/>
+                        <a:ea typeface="DengXian" panose="02010600030101010101" pitchFamily="2" charset="-122"/>
+                        <a:cs typeface="Times New Roman" panose="02020603050405020304" pitchFamily="18" charset="0"/>
+                      </a:endParaRPr>
+                    </a:p>
+                  </a:txBody>
+                  <a:tcPr marL="102782" marR="102782" marT="0" marB="0"/>
+                </a:tc>
+                <a:tc>
+                  <a:txBody>
+                    <a:bodyPr/>
+                    <a:lstStyle/>
+                    <a:p>
+                      <a:pPr>
+                        <a:lnSpc>
+                          <a:spcPct val="107000"/>
+                        </a:lnSpc>
+                        <a:spcAft>
+                          <a:spcPts val="800"/>
+                        </a:spcAft>
+                      </a:pPr>
+                      <a:r>
+                        <a:rPr lang="en-US" sz="1900" dirty="0">
+                          <a:solidFill>
+                            <a:schemeClr val="tx1"/>
+                          </a:solidFill>
+                          <a:effectLst/>
+                        </a:rPr>
+                        <a:t>98.9%</a:t>
+                      </a:r>
+                      <a:endParaRPr lang="en-US" sz="1900" dirty="0">
+                        <a:solidFill>
+                          <a:schemeClr val="tx1"/>
+                        </a:solidFill>
+                        <a:effectLst/>
+                        <a:latin typeface="Calibri" panose="020F0502020204030204" pitchFamily="34" charset="0"/>
+                        <a:ea typeface="DengXian" panose="02010600030101010101" pitchFamily="2" charset="-122"/>
+                        <a:cs typeface="Times New Roman" panose="02020603050405020304" pitchFamily="18" charset="0"/>
+                      </a:endParaRPr>
+                    </a:p>
+                  </a:txBody>
+                  <a:tcPr marL="102782" marR="102782" marT="0" marB="0"/>
+                </a:tc>
+                <a:tc>
+                  <a:txBody>
+                    <a:bodyPr/>
+                    <a:lstStyle/>
+                    <a:p>
+                      <a:pPr>
+                        <a:lnSpc>
+                          <a:spcPct val="107000"/>
+                        </a:lnSpc>
+                        <a:spcAft>
+                          <a:spcPts val="800"/>
+                        </a:spcAft>
+                      </a:pPr>
+                      <a:r>
+                        <a:rPr lang="en-US" sz="1900" dirty="0">
+                          <a:solidFill>
+                            <a:schemeClr val="tx1"/>
+                          </a:solidFill>
+                          <a:effectLst/>
+                        </a:rPr>
+                        <a:t>99.2%</a:t>
+                      </a:r>
+                      <a:endParaRPr lang="en-US" sz="1900" dirty="0">
+                        <a:solidFill>
+                          <a:schemeClr val="tx1"/>
+                        </a:solidFill>
+                        <a:effectLst/>
+                        <a:latin typeface="Calibri" panose="020F0502020204030204" pitchFamily="34" charset="0"/>
+                        <a:ea typeface="DengXian" panose="02010600030101010101" pitchFamily="2" charset="-122"/>
+                        <a:cs typeface="Times New Roman" panose="02020603050405020304" pitchFamily="18" charset="0"/>
+                      </a:endParaRPr>
+                    </a:p>
+                  </a:txBody>
+                  <a:tcPr marL="102782" marR="102782" marT="0" marB="0"/>
+                </a:tc>
+                <a:tc>
+                  <a:txBody>
+                    <a:bodyPr/>
+                    <a:lstStyle/>
+                    <a:p>
+                      <a:pPr>
+                        <a:lnSpc>
+                          <a:spcPct val="107000"/>
+                        </a:lnSpc>
+                        <a:spcAft>
+                          <a:spcPts val="800"/>
+                        </a:spcAft>
+                      </a:pPr>
+                      <a:r>
+                        <a:rPr lang="en-US" sz="1900" dirty="0">
+                          <a:solidFill>
+                            <a:schemeClr val="tx1"/>
+                          </a:solidFill>
+                          <a:effectLst/>
+                        </a:rPr>
+                        <a:t>96.7%</a:t>
+                      </a:r>
+                      <a:endParaRPr lang="en-US" sz="1900" dirty="0">
+                        <a:solidFill>
+                          <a:schemeClr val="tx1"/>
+                        </a:solidFill>
+                        <a:effectLst/>
+                        <a:latin typeface="Calibri" panose="020F0502020204030204" pitchFamily="34" charset="0"/>
+                        <a:ea typeface="DengXian" panose="02010600030101010101" pitchFamily="2" charset="-122"/>
+                        <a:cs typeface="Times New Roman" panose="02020603050405020304" pitchFamily="18" charset="0"/>
+                      </a:endParaRPr>
+                    </a:p>
+                  </a:txBody>
+                  <a:tcPr marL="102782" marR="102782" marT="0" marB="0"/>
+                </a:tc>
+                <a:extLst>
+                  <a:ext uri="{0D108BD9-81ED-4DB2-BD59-A6C34878D82A}">
+                    <a16:rowId xmlns:a16="http://schemas.microsoft.com/office/drawing/2014/main" val="250569149"/>
+                  </a:ext>
+                </a:extLst>
+              </a:tr>
+              <a:tr h="492255">
+                <a:tc>
+                  <a:txBody>
+                    <a:bodyPr/>
+                    <a:lstStyle/>
+                    <a:p>
+                      <a:pPr>
+                        <a:lnSpc>
+                          <a:spcPct val="107000"/>
+                        </a:lnSpc>
+                        <a:spcAft>
+                          <a:spcPts val="800"/>
+                        </a:spcAft>
+                      </a:pPr>
+                      <a:r>
+                        <a:rPr lang="en-US" sz="1900">
+                          <a:solidFill>
+                            <a:schemeClr val="tx1"/>
+                          </a:solidFill>
+                          <a:effectLst/>
+                        </a:rPr>
+                        <a:t>ResNet</a:t>
+                      </a:r>
+                      <a:endParaRPr lang="en-US" sz="1900">
+                        <a:solidFill>
+                          <a:schemeClr val="tx1"/>
+                        </a:solidFill>
+                        <a:effectLst/>
+                        <a:latin typeface="Calibri" panose="020F0502020204030204" pitchFamily="34" charset="0"/>
+                        <a:ea typeface="DengXian" panose="02010600030101010101" pitchFamily="2" charset="-122"/>
+                        <a:cs typeface="Times New Roman" panose="02020603050405020304" pitchFamily="18" charset="0"/>
+                      </a:endParaRPr>
+                    </a:p>
+                  </a:txBody>
+                  <a:tcPr marL="102782" marR="102782" marT="0" marB="0"/>
+                </a:tc>
+                <a:tc>
+                  <a:txBody>
+                    <a:bodyPr/>
+                    <a:lstStyle/>
+                    <a:p>
+                      <a:pPr>
+                        <a:lnSpc>
+                          <a:spcPct val="107000"/>
+                        </a:lnSpc>
+                        <a:spcAft>
+                          <a:spcPts val="800"/>
+                        </a:spcAft>
+                      </a:pPr>
+                      <a:r>
+                        <a:rPr lang="en-US" sz="1900" dirty="0">
+                          <a:solidFill>
+                            <a:schemeClr val="tx1"/>
+                          </a:solidFill>
+                          <a:effectLst/>
+                        </a:rPr>
+                        <a:t>65.1%</a:t>
+                      </a:r>
+                      <a:endParaRPr lang="en-US" sz="1900" dirty="0">
+                        <a:solidFill>
+                          <a:schemeClr val="tx1"/>
+                        </a:solidFill>
+                        <a:effectLst/>
+                        <a:latin typeface="Calibri" panose="020F0502020204030204" pitchFamily="34" charset="0"/>
+                        <a:ea typeface="DengXian" panose="02010600030101010101" pitchFamily="2" charset="-122"/>
+                        <a:cs typeface="Times New Roman" panose="02020603050405020304" pitchFamily="18" charset="0"/>
+                      </a:endParaRPr>
+                    </a:p>
+                  </a:txBody>
+                  <a:tcPr marL="102782" marR="102782" marT="0" marB="0"/>
+                </a:tc>
+                <a:tc>
+                  <a:txBody>
+                    <a:bodyPr/>
+                    <a:lstStyle/>
+                    <a:p>
+                      <a:pPr>
+                        <a:lnSpc>
+                          <a:spcPct val="107000"/>
+                        </a:lnSpc>
+                        <a:spcAft>
+                          <a:spcPts val="800"/>
+                        </a:spcAft>
+                      </a:pPr>
+                      <a:r>
+                        <a:rPr lang="en-US" sz="1900" dirty="0">
+                          <a:solidFill>
+                            <a:schemeClr val="tx1"/>
+                          </a:solidFill>
+                          <a:effectLst/>
+                        </a:rPr>
+                        <a:t>68.7%</a:t>
+                      </a:r>
+                      <a:endParaRPr lang="en-US" sz="1900" dirty="0">
+                        <a:solidFill>
+                          <a:schemeClr val="tx1"/>
+                        </a:solidFill>
+                        <a:effectLst/>
+                        <a:latin typeface="Calibri" panose="020F0502020204030204" pitchFamily="34" charset="0"/>
+                        <a:ea typeface="DengXian" panose="02010600030101010101" pitchFamily="2" charset="-122"/>
+                        <a:cs typeface="Times New Roman" panose="02020603050405020304" pitchFamily="18" charset="0"/>
+                      </a:endParaRPr>
+                    </a:p>
+                  </a:txBody>
+                  <a:tcPr marL="102782" marR="102782" marT="0" marB="0"/>
+                </a:tc>
+                <a:tc>
+                  <a:txBody>
+                    <a:bodyPr/>
+                    <a:lstStyle/>
+                    <a:p>
+                      <a:pPr>
+                        <a:lnSpc>
+                          <a:spcPct val="107000"/>
+                        </a:lnSpc>
+                        <a:spcAft>
+                          <a:spcPts val="800"/>
+                        </a:spcAft>
+                      </a:pPr>
+                      <a:r>
+                        <a:rPr lang="en-US" sz="1900">
+                          <a:solidFill>
+                            <a:schemeClr val="tx1"/>
+                          </a:solidFill>
+                          <a:effectLst/>
+                          <a:latin typeface="+mj-lt"/>
+                          <a:ea typeface="DengXian" panose="02010600030101010101" pitchFamily="2" charset="-122"/>
+                          <a:cs typeface="Times New Roman" panose="02020603050405020304" pitchFamily="18" charset="0"/>
+                        </a:rPr>
+                        <a:t>15.9%</a:t>
+                      </a:r>
+                      <a:endParaRPr lang="en-US" sz="1900" dirty="0">
+                        <a:solidFill>
+                          <a:schemeClr val="tx1"/>
+                        </a:solidFill>
+                        <a:effectLst/>
+                        <a:latin typeface="+mj-lt"/>
+                        <a:ea typeface="DengXian" panose="02010600030101010101" pitchFamily="2" charset="-122"/>
+                        <a:cs typeface="Times New Roman" panose="02020603050405020304" pitchFamily="18" charset="0"/>
+                      </a:endParaRPr>
+                    </a:p>
+                  </a:txBody>
+                  <a:tcPr marL="102782" marR="102782" marT="0" marB="0"/>
+                </a:tc>
+                <a:extLst>
+                  <a:ext uri="{0D108BD9-81ED-4DB2-BD59-A6C34878D82A}">
+                    <a16:rowId xmlns:a16="http://schemas.microsoft.com/office/drawing/2014/main" val="3447036287"/>
+                  </a:ext>
+                </a:extLst>
+              </a:tr>
+            </a:tbl>
+          </a:graphicData>
+        </a:graphic>
+      </p:graphicFrame>
+      <p:pic>
+        <p:nvPicPr>
+          <p:cNvPr id="1026" name="Picture 2">
+            <a:extLst>
+              <a:ext uri="{FF2B5EF4-FFF2-40B4-BE49-F238E27FC236}">
+                <a16:creationId xmlns:a16="http://schemas.microsoft.com/office/drawing/2014/main" id="{B524CD37-6264-4477-B0B8-E2B8155DB9CA}"/>
+              </a:ext>
+            </a:extLst>
+          </p:cNvPr>
+          <p:cNvPicPr>
+            <a:picLocks noChangeAspect="1" noChangeArrowheads="1"/>
+          </p:cNvPicPr>
+          <p:nvPr/>
+        </p:nvPicPr>
+        <p:blipFill>
+          <a:blip r:embed="rId12">
+            <a:extLst>
+              <a:ext uri="{28A0092B-C50C-407E-A947-70E740481C1C}">
+                <a14:useLocalDpi xmlns:a14="http://schemas.microsoft.com/office/drawing/2010/main" val="0"/>
+              </a:ext>
+            </a:extLst>
+          </a:blip>
+          <a:srcRect/>
+          <a:stretch>
+            <a:fillRect/>
+          </a:stretch>
+        </p:blipFill>
+        <p:spPr bwMode="auto">
+          <a:xfrm>
+            <a:off x="12876284" y="28195876"/>
+            <a:ext cx="4323811" cy="3240000"/>
+          </a:xfrm>
+          <a:prstGeom prst="rect">
+            <a:avLst/>
+          </a:prstGeom>
+          <a:noFill/>
+          <a:extLst>
+            <a:ext uri="{909E8E84-426E-40DD-AFC4-6F175D3DCCD1}">
+              <a14:hiddenFill xmlns:a14="http://schemas.microsoft.com/office/drawing/2010/main">
+                <a:solidFill>
+                  <a:srgbClr val="FFFFFF"/>
+                </a:solidFill>
+              </a14:hiddenFill>
+            </a:ext>
+          </a:extLst>
+        </p:spPr>
+      </p:pic>
+      <p:pic>
+        <p:nvPicPr>
+          <p:cNvPr id="1025" name="Picture 1">
+            <a:extLst>
+              <a:ext uri="{FF2B5EF4-FFF2-40B4-BE49-F238E27FC236}">
+                <a16:creationId xmlns:a16="http://schemas.microsoft.com/office/drawing/2014/main" id="{C752B802-F22E-46E9-BBE9-21E659D0AEC4}"/>
+              </a:ext>
+            </a:extLst>
+          </p:cNvPr>
+          <p:cNvPicPr>
+            <a:picLocks noChangeAspect="1" noChangeArrowheads="1"/>
+          </p:cNvPicPr>
+          <p:nvPr/>
+        </p:nvPicPr>
+        <p:blipFill>
+          <a:blip r:embed="rId13">
+            <a:extLst>
+              <a:ext uri="{28A0092B-C50C-407E-A947-70E740481C1C}">
+                <a14:useLocalDpi xmlns:a14="http://schemas.microsoft.com/office/drawing/2010/main" val="0"/>
+              </a:ext>
+            </a:extLst>
+          </a:blip>
+          <a:srcRect/>
+          <a:stretch>
+            <a:fillRect/>
+          </a:stretch>
+        </p:blipFill>
+        <p:spPr bwMode="auto">
+          <a:xfrm>
+            <a:off x="17068865" y="28195876"/>
+            <a:ext cx="4323814" cy="3240000"/>
+          </a:xfrm>
+          <a:prstGeom prst="rect">
+            <a:avLst/>
+          </a:prstGeom>
+          <a:noFill/>
+          <a:extLst>
+            <a:ext uri="{909E8E84-426E-40DD-AFC4-6F175D3DCCD1}">
+              <a14:hiddenFill xmlns:a14="http://schemas.microsoft.com/office/drawing/2010/main">
+                <a:solidFill>
+                  <a:srgbClr val="FFFFFF"/>
+                </a:solidFill>
+              </a14:hiddenFill>
+            </a:ext>
+          </a:extLst>
+        </p:spPr>
+      </p:pic>
+      <p:sp>
+        <p:nvSpPr>
+          <p:cNvPr id="6" name="Rectangle 3">
+            <a:extLst>
+              <a:ext uri="{FF2B5EF4-FFF2-40B4-BE49-F238E27FC236}">
+                <a16:creationId xmlns:a16="http://schemas.microsoft.com/office/drawing/2014/main" id="{08C2DBF8-2947-448F-AB99-A597B2C06ED6}"/>
+              </a:ext>
+            </a:extLst>
+          </p:cNvPr>
+          <p:cNvSpPr>
+            <a:spLocks noChangeArrowheads="1"/>
+          </p:cNvSpPr>
+          <p:nvPr/>
+        </p:nvSpPr>
+        <p:spPr bwMode="auto">
+          <a:xfrm>
+            <a:off x="11370843" y="26900938"/>
+            <a:ext cx="43891200" cy="457200"/>
+          </a:xfrm>
+          <a:prstGeom prst="rect">
+            <a:avLst/>
+          </a:prstGeom>
+          <a:noFill/>
+          <a:ln>
+            <a:noFill/>
+          </a:ln>
+          <a:effectLst/>
+          <a:extLst>
+            <a:ext uri="{909E8E84-426E-40DD-AFC4-6F175D3DCCD1}">
+              <a14:hiddenFill xmlns:a14="http://schemas.microsoft.com/office/drawing/2010/main">
+                <a:solidFill>
+                  <a:schemeClr val="accent1"/>
+                </a:solidFill>
+              </a14:hiddenFill>
+            </a:ext>
+            <a:ext uri="{91240B29-F687-4F45-9708-019B960494DF}">
+              <a14:hiddenLine xmlns:a14="http://schemas.microsoft.com/office/drawing/2010/main" w="9525">
+                <a:solidFill>
+                  <a:schemeClr val="tx1"/>
+                </a:solidFill>
+                <a:miter lim="800000"/>
+                <a:headEnd/>
+                <a:tailEnd/>
+              </a14:hiddenLine>
+            </a:ext>
+            <a:ext uri="{AF507438-7753-43E0-B8FC-AC1667EBCBE1}">
+              <a14:hiddenEffects xmlns:a14="http://schemas.microsoft.com/office/drawing/2010/main">
+                <a:effectLst>
+                  <a:outerShdw dist="35921" dir="2700000" algn="ctr" rotWithShape="0">
+                    <a:schemeClr val="bg2"/>
+                  </a:outerShdw>
+                </a:effectLst>
+              </a14:hiddenEffects>
+            </a:ext>
+          </a:extLst>
+        </p:spPr>
+        <p:txBody>
+          <a:bodyPr vert="horz" wrap="none" lIns="91440" tIns="45720" rIns="91440" bIns="45720" numCol="1" anchor="ctr" anchorCtr="0" compatLnSpc="1">
+            <a:prstTxWarp prst="textNoShape">
+              <a:avLst/>
+            </a:prstTxWarp>
+            <a:spAutoFit/>
+          </a:bodyPr>
+          <a:lstStyle/>
+          <a:p>
+            <a:endParaRPr lang="en-US"/>
+          </a:p>
+        </p:txBody>
+      </p:sp>
+      <p:sp>
+        <p:nvSpPr>
+          <p:cNvPr id="7" name="Rectangle 4">
+            <a:extLst>
+              <a:ext uri="{FF2B5EF4-FFF2-40B4-BE49-F238E27FC236}">
+                <a16:creationId xmlns:a16="http://schemas.microsoft.com/office/drawing/2014/main" id="{6FEFD16F-87B2-4427-93C3-3C5C0AABE7C9}"/>
+              </a:ext>
+            </a:extLst>
+          </p:cNvPr>
+          <p:cNvSpPr>
+            <a:spLocks noChangeArrowheads="1"/>
+          </p:cNvSpPr>
+          <p:nvPr/>
+        </p:nvSpPr>
+        <p:spPr bwMode="auto">
+          <a:xfrm>
+            <a:off x="11370843" y="29156776"/>
+            <a:ext cx="43891200" cy="0"/>
+          </a:xfrm>
+          <a:prstGeom prst="rect">
+            <a:avLst/>
+          </a:prstGeom>
+          <a:noFill/>
+          <a:ln>
+            <a:noFill/>
+          </a:ln>
+          <a:effectLst/>
+          <a:extLst>
+            <a:ext uri="{909E8E84-426E-40DD-AFC4-6F175D3DCCD1}">
+              <a14:hiddenFill xmlns:a14="http://schemas.microsoft.com/office/drawing/2010/main">
+                <a:solidFill>
+                  <a:schemeClr val="accent1"/>
+                </a:solidFill>
+              </a14:hiddenFill>
+            </a:ext>
+            <a:ext uri="{91240B29-F687-4F45-9708-019B960494DF}">
+              <a14:hiddenLine xmlns:a14="http://schemas.microsoft.com/office/drawing/2010/main" w="9525">
+                <a:solidFill>
+                  <a:schemeClr val="tx1"/>
+                </a:solidFill>
+                <a:miter lim="800000"/>
+                <a:headEnd/>
+                <a:tailEnd/>
+              </a14:hiddenLine>
+            </a:ext>
+            <a:ext uri="{AF507438-7753-43E0-B8FC-AC1667EBCBE1}">
+              <a14:hiddenEffects xmlns:a14="http://schemas.microsoft.com/office/drawing/2010/main">
+                <a:effectLst>
+                  <a:outerShdw dist="35921" dir="2700000" algn="ctr" rotWithShape="0">
+                    <a:schemeClr val="bg2"/>
+                  </a:outerShdw>
+                </a:effectLst>
+              </a14:hiddenEffects>
+            </a:ext>
+          </a:extLst>
+        </p:spPr>
+        <p:txBody>
+          <a:bodyPr vert="horz" wrap="none" lIns="91440" tIns="45720" rIns="91440" bIns="45720" numCol="1" anchor="ctr" anchorCtr="0" compatLnSpc="1">
+            <a:prstTxWarp prst="textNoShape">
+              <a:avLst/>
+            </a:prstTxWarp>
+            <a:spAutoFit/>
+          </a:bodyPr>
+          <a:lstStyle/>
+          <a:p>
+            <a:pPr marL="0" marR="0" lvl="0" indent="0" algn="l" defTabSz="914400" rtl="0" eaLnBrk="0" fontAlgn="base" latinLnBrk="0" hangingPunct="0">
+              <a:lnSpc>
+                <a:spcPct val="100000"/>
+              </a:lnSpc>
+              <a:spcBef>
+                <a:spcPct val="0"/>
+              </a:spcBef>
+              <a:spcAft>
+                <a:spcPct val="0"/>
+              </a:spcAft>
+              <a:buClrTx/>
+              <a:buSzTx/>
+              <a:buFontTx/>
+              <a:buNone/>
+              <a:tabLst/>
+            </a:pPr>
+            <a:r>
+              <a:rPr kumimoji="0" lang="en-US" altLang="en-US" sz="1100" b="0" i="0" u="none" strike="noStrike" cap="none" normalizeH="0" baseline="0">
+                <a:ln>
+                  <a:noFill/>
+                </a:ln>
+                <a:solidFill>
+                  <a:schemeClr val="tx1"/>
+                </a:solidFill>
+                <a:effectLst/>
+                <a:latin typeface="Times New Roman" panose="02020603050405020304" pitchFamily="18" charset="0"/>
+                <a:ea typeface="DengXian" panose="02010600030101010101" pitchFamily="2" charset="-122"/>
+                <a:cs typeface="Times New Roman" panose="02020603050405020304" pitchFamily="18" charset="0"/>
+              </a:rPr>
+              <a:t> </a:t>
+            </a:r>
+            <a:endParaRPr kumimoji="0" lang="en-US" altLang="en-US" sz="1800" b="0" i="0" u="none" strike="noStrike" cap="none" normalizeH="0" baseline="0">
+              <a:ln>
+                <a:noFill/>
+              </a:ln>
+              <a:solidFill>
+                <a:schemeClr val="tx1"/>
+              </a:solidFill>
+              <a:effectLst/>
+              <a:latin typeface="Arial" panose="020B0604020202020204" pitchFamily="34" charset="0"/>
+            </a:endParaRPr>
+          </a:p>
+        </p:txBody>
+      </p:sp>
+      <p:pic>
+        <p:nvPicPr>
+          <p:cNvPr id="1030" name="Picture 3">
+            <a:extLst>
+              <a:ext uri="{FF2B5EF4-FFF2-40B4-BE49-F238E27FC236}">
+                <a16:creationId xmlns:a16="http://schemas.microsoft.com/office/drawing/2014/main" id="{15FB9692-31AE-4C6D-AEFE-6CCB5FCEB84B}"/>
+              </a:ext>
+            </a:extLst>
+          </p:cNvPr>
+          <p:cNvPicPr>
+            <a:picLocks noChangeAspect="1" noChangeArrowheads="1"/>
+          </p:cNvPicPr>
+          <p:nvPr/>
+        </p:nvPicPr>
+        <p:blipFill>
+          <a:blip r:embed="rId14">
+            <a:extLst>
+              <a:ext uri="{28A0092B-C50C-407E-A947-70E740481C1C}">
+                <a14:useLocalDpi xmlns:a14="http://schemas.microsoft.com/office/drawing/2010/main" val="0"/>
+              </a:ext>
+            </a:extLst>
+          </a:blip>
+          <a:srcRect/>
+          <a:stretch>
+            <a:fillRect/>
+          </a:stretch>
+        </p:blipFill>
+        <p:spPr bwMode="auto">
+          <a:xfrm>
+            <a:off x="33935325" y="9721787"/>
+            <a:ext cx="3843388" cy="2880000"/>
+          </a:xfrm>
+          <a:prstGeom prst="rect">
+            <a:avLst/>
+          </a:prstGeom>
+          <a:noFill/>
+          <a:extLst>
+            <a:ext uri="{909E8E84-426E-40DD-AFC4-6F175D3DCCD1}">
+              <a14:hiddenFill xmlns:a14="http://schemas.microsoft.com/office/drawing/2010/main">
+                <a:solidFill>
+                  <a:srgbClr val="FFFFFF"/>
+                </a:solidFill>
+              </a14:hiddenFill>
+            </a:ext>
+          </a:extLst>
+        </p:spPr>
+      </p:pic>
+      <p:pic>
+        <p:nvPicPr>
+          <p:cNvPr id="1029" name="Picture 4">
+            <a:extLst>
+              <a:ext uri="{FF2B5EF4-FFF2-40B4-BE49-F238E27FC236}">
+                <a16:creationId xmlns:a16="http://schemas.microsoft.com/office/drawing/2014/main" id="{C17BED48-165C-4987-94F5-45411CC46D41}"/>
+              </a:ext>
+            </a:extLst>
+          </p:cNvPr>
+          <p:cNvPicPr>
+            <a:picLocks noChangeAspect="1" noChangeArrowheads="1"/>
+          </p:cNvPicPr>
+          <p:nvPr/>
+        </p:nvPicPr>
+        <p:blipFill>
+          <a:blip r:embed="rId15">
+            <a:extLst>
+              <a:ext uri="{28A0092B-C50C-407E-A947-70E740481C1C}">
+                <a14:useLocalDpi xmlns:a14="http://schemas.microsoft.com/office/drawing/2010/main" val="0"/>
+              </a:ext>
+            </a:extLst>
+          </a:blip>
+          <a:srcRect/>
+          <a:stretch>
+            <a:fillRect/>
+          </a:stretch>
+        </p:blipFill>
+        <p:spPr bwMode="auto">
+          <a:xfrm>
+            <a:off x="37796616" y="9721787"/>
+            <a:ext cx="3843390" cy="2880000"/>
+          </a:xfrm>
+          <a:prstGeom prst="rect">
+            <a:avLst/>
+          </a:prstGeom>
+          <a:noFill/>
+          <a:extLst>
+            <a:ext uri="{909E8E84-426E-40DD-AFC4-6F175D3DCCD1}">
+              <a14:hiddenFill xmlns:a14="http://schemas.microsoft.com/office/drawing/2010/main">
+                <a:solidFill>
+                  <a:srgbClr val="FFFFFF"/>
+                </a:solidFill>
+              </a14:hiddenFill>
+            </a:ext>
+          </a:extLst>
+        </p:spPr>
+      </p:pic>
+      <p:sp>
+        <p:nvSpPr>
+          <p:cNvPr id="8" name="Rectangle 7">
+            <a:extLst>
+              <a:ext uri="{FF2B5EF4-FFF2-40B4-BE49-F238E27FC236}">
+                <a16:creationId xmlns:a16="http://schemas.microsoft.com/office/drawing/2014/main" id="{7A012918-1825-4FFF-9029-988AD603D8A4}"/>
+              </a:ext>
+            </a:extLst>
+          </p:cNvPr>
+          <p:cNvSpPr>
+            <a:spLocks noChangeArrowheads="1"/>
+          </p:cNvSpPr>
+          <p:nvPr/>
+        </p:nvSpPr>
+        <p:spPr bwMode="auto">
+          <a:xfrm>
+            <a:off x="38166633" y="9522510"/>
+            <a:ext cx="43891200" cy="2880000"/>
+          </a:xfrm>
+          <a:prstGeom prst="rect">
+            <a:avLst/>
+          </a:prstGeom>
+          <a:noFill/>
+          <a:ln>
+            <a:noFill/>
+          </a:ln>
+          <a:effectLst/>
+          <a:extLst>
+            <a:ext uri="{909E8E84-426E-40DD-AFC4-6F175D3DCCD1}">
+              <a14:hiddenFill xmlns:a14="http://schemas.microsoft.com/office/drawing/2010/main">
+                <a:solidFill>
+                  <a:schemeClr val="accent1"/>
+                </a:solidFill>
+              </a14:hiddenFill>
+            </a:ext>
+            <a:ext uri="{91240B29-F687-4F45-9708-019B960494DF}">
+              <a14:hiddenLine xmlns:a14="http://schemas.microsoft.com/office/drawing/2010/main" w="9525">
+                <a:solidFill>
+                  <a:schemeClr val="tx1"/>
+                </a:solidFill>
+                <a:miter lim="800000"/>
+                <a:headEnd/>
+                <a:tailEnd/>
+              </a14:hiddenLine>
+            </a:ext>
+            <a:ext uri="{AF507438-7753-43E0-B8FC-AC1667EBCBE1}">
+              <a14:hiddenEffects xmlns:a14="http://schemas.microsoft.com/office/drawing/2010/main">
+                <a:effectLst>
+                  <a:outerShdw dist="35921" dir="2700000" algn="ctr" rotWithShape="0">
+                    <a:schemeClr val="bg2"/>
+                  </a:outerShdw>
+                </a:effectLst>
+              </a14:hiddenEffects>
+            </a:ext>
+          </a:extLst>
+        </p:spPr>
+        <p:txBody>
+          <a:bodyPr vert="horz" wrap="none" lIns="91440" tIns="45720" rIns="91440" bIns="45720" numCol="1" anchor="ctr" anchorCtr="0" compatLnSpc="1">
+            <a:prstTxWarp prst="textNoShape">
+              <a:avLst/>
+            </a:prstTxWarp>
+            <a:spAutoFit/>
+          </a:bodyPr>
+          <a:lstStyle/>
+          <a:p>
+            <a:endParaRPr lang="en-US"/>
+          </a:p>
+        </p:txBody>
+      </p:sp>
+      <p:sp>
+        <p:nvSpPr>
+          <p:cNvPr id="9" name="Rectangle 8">
+            <a:extLst>
+              <a:ext uri="{FF2B5EF4-FFF2-40B4-BE49-F238E27FC236}">
+                <a16:creationId xmlns:a16="http://schemas.microsoft.com/office/drawing/2014/main" id="{2A73A43C-1215-4CFC-BE54-F681E92DDA74}"/>
+              </a:ext>
+            </a:extLst>
+          </p:cNvPr>
+          <p:cNvSpPr>
+            <a:spLocks noChangeArrowheads="1"/>
+          </p:cNvSpPr>
+          <p:nvPr/>
+        </p:nvSpPr>
+        <p:spPr bwMode="auto">
+          <a:xfrm>
+            <a:off x="38166633" y="13576985"/>
+            <a:ext cx="43891200" cy="2880000"/>
+          </a:xfrm>
+          <a:prstGeom prst="rect">
+            <a:avLst/>
+          </a:prstGeom>
+          <a:noFill/>
+          <a:ln>
+            <a:noFill/>
+          </a:ln>
+          <a:effectLst/>
+          <a:extLst>
+            <a:ext uri="{909E8E84-426E-40DD-AFC4-6F175D3DCCD1}">
+              <a14:hiddenFill xmlns:a14="http://schemas.microsoft.com/office/drawing/2010/main">
+                <a:solidFill>
+                  <a:schemeClr val="accent1"/>
+                </a:solidFill>
+              </a14:hiddenFill>
+            </a:ext>
+            <a:ext uri="{91240B29-F687-4F45-9708-019B960494DF}">
+              <a14:hiddenLine xmlns:a14="http://schemas.microsoft.com/office/drawing/2010/main" w="9525">
+                <a:solidFill>
+                  <a:schemeClr val="tx1"/>
+                </a:solidFill>
+                <a:miter lim="800000"/>
+                <a:headEnd/>
+                <a:tailEnd/>
+              </a14:hiddenLine>
+            </a:ext>
+            <a:ext uri="{AF507438-7753-43E0-B8FC-AC1667EBCBE1}">
+              <a14:hiddenEffects xmlns:a14="http://schemas.microsoft.com/office/drawing/2010/main">
+                <a:effectLst>
+                  <a:outerShdw dist="35921" dir="2700000" algn="ctr" rotWithShape="0">
+                    <a:schemeClr val="bg2"/>
+                  </a:outerShdw>
+                </a:effectLst>
+              </a14:hiddenEffects>
+            </a:ext>
+          </a:extLst>
+        </p:spPr>
+        <p:txBody>
+          <a:bodyPr vert="horz" wrap="none" lIns="91440" tIns="45720" rIns="91440" bIns="45720" numCol="1" anchor="ctr" anchorCtr="0" compatLnSpc="1">
+            <a:prstTxWarp prst="textNoShape">
+              <a:avLst/>
+            </a:prstTxWarp>
+            <a:spAutoFit/>
+          </a:bodyPr>
+          <a:lstStyle/>
+          <a:p>
+            <a:endParaRPr lang="en-US"/>
+          </a:p>
+        </p:txBody>
+      </p:sp>
     </p:spTree>
     <p:extLst>
       <p:ext uri="{BB962C8B-B14F-4D97-AF65-F5344CB8AC3E}">
